--- a/0121結果レビュー.pptx
+++ b/0121結果レビュー.pptx
@@ -5,7 +5,7 @@
     <p:sldMasterId id="2147483672" r:id="rId1"/>
   </p:sldMasterIdLst>
   <p:notesMasterIdLst>
-    <p:notesMasterId r:id="rId13"/>
+    <p:notesMasterId r:id="rId12"/>
   </p:notesMasterIdLst>
   <p:sldIdLst>
     <p:sldId id="256" r:id="rId2"/>
@@ -18,7 +18,6 @@
     <p:sldId id="269" r:id="rId9"/>
     <p:sldId id="263" r:id="rId10"/>
     <p:sldId id="264" r:id="rId11"/>
-    <p:sldId id="268" r:id="rId12"/>
   </p:sldIdLst>
   <p:sldSz cx="12192000" cy="6858000"/>
   <p:notesSz cx="6858000" cy="9144000"/>
@@ -2927,7 +2926,7 @@
           </a:lstStyle>
           <a:p>
             <a:fld id="{72BF07A8-7391-8B43-8C84-2499A9AA8ED9}" type="datetimeFigureOut">
-              <a:t>2022/01/19</a:t>
+              <a:t>2022/01/20</a:t>
             </a:fld>
             <a:endParaRPr lang="en-JP"/>
           </a:p>
@@ -3405,7 +3404,7 @@
           <a:lstStyle/>
           <a:p>
             <a:fld id="{AAA0B583-82BE-8C47-A302-7765DDE449F7}" type="datetime1">
-              <a:t>2022/01/19</a:t>
+              <a:t>2022/01/20</a:t>
             </a:fld>
             <a:endParaRPr lang="en-JP"/>
           </a:p>
@@ -3571,7 +3570,7 @@
           <a:lstStyle/>
           <a:p>
             <a:fld id="{6589C49D-9FC0-3C4E-BAC6-B72DBEC84219}" type="datetime1">
-              <a:t>2022/01/19</a:t>
+              <a:t>2022/01/20</a:t>
             </a:fld>
             <a:endParaRPr lang="en-JP"/>
           </a:p>
@@ -3747,7 +3746,7 @@
           <a:lstStyle/>
           <a:p>
             <a:fld id="{2F5F35AB-255E-914B-A0D7-BEAB98AEE7F0}" type="datetime1">
-              <a:t>2022/01/19</a:t>
+              <a:t>2022/01/20</a:t>
             </a:fld>
             <a:endParaRPr lang="en-JP"/>
           </a:p>
@@ -3913,7 +3912,7 @@
           <a:lstStyle/>
           <a:p>
             <a:fld id="{2BFC5C50-A125-3744-9EE3-197DAE40121F}" type="datetime1">
-              <a:t>2022/01/19</a:t>
+              <a:t>2022/01/20</a:t>
             </a:fld>
             <a:endParaRPr lang="en-JP"/>
           </a:p>
@@ -4156,7 +4155,7 @@
           <a:lstStyle/>
           <a:p>
             <a:fld id="{364FA97B-54A5-1348-994B-DEFCE438AD33}" type="datetime1">
-              <a:t>2022/01/19</a:t>
+              <a:t>2022/01/20</a:t>
             </a:fld>
             <a:endParaRPr lang="en-JP"/>
           </a:p>
@@ -4383,7 +4382,7 @@
           <a:lstStyle/>
           <a:p>
             <a:fld id="{05D6CE52-B223-624D-BBC8-D07D0B89A40F}" type="datetime1">
-              <a:t>2022/01/19</a:t>
+              <a:t>2022/01/20</a:t>
             </a:fld>
             <a:endParaRPr lang="en-JP"/>
           </a:p>
@@ -4745,7 +4744,7 @@
           <a:lstStyle/>
           <a:p>
             <a:fld id="{55BB6648-2FEC-CF46-86BB-552D8FDF04B2}" type="datetime1">
-              <a:t>2022/01/19</a:t>
+              <a:t>2022/01/20</a:t>
             </a:fld>
             <a:endParaRPr lang="en-JP"/>
           </a:p>
@@ -4860,7 +4859,7 @@
           <a:lstStyle/>
           <a:p>
             <a:fld id="{EDEB0A3B-AF46-0F46-B8D6-8977AB47B0E9}" type="datetime1">
-              <a:t>2022/01/19</a:t>
+              <a:t>2022/01/20</a:t>
             </a:fld>
             <a:endParaRPr lang="en-JP"/>
           </a:p>
@@ -4953,7 +4952,7 @@
           <a:lstStyle/>
           <a:p>
             <a:fld id="{8B9A0D36-7F71-9D4E-984B-A30FC616AF51}" type="datetime1">
-              <a:t>2022/01/19</a:t>
+              <a:t>2022/01/20</a:t>
             </a:fld>
             <a:endParaRPr lang="en-JP"/>
           </a:p>
@@ -5226,7 +5225,7 @@
           <a:lstStyle/>
           <a:p>
             <a:fld id="{9369E420-ECE9-BD4B-B403-A78156A4AB54}" type="datetime1">
-              <a:t>2022/01/19</a:t>
+              <a:t>2022/01/20</a:t>
             </a:fld>
             <a:endParaRPr lang="en-JP"/>
           </a:p>
@@ -5479,7 +5478,7 @@
           <a:lstStyle/>
           <a:p>
             <a:fld id="{37EF7CDE-28FC-084D-9FB4-3B81011EBD84}" type="datetime1">
-              <a:t>2022/01/19</a:t>
+              <a:t>2022/01/20</a:t>
             </a:fld>
             <a:endParaRPr lang="en-JP"/>
           </a:p>
@@ -5688,7 +5687,7 @@
           </a:lstStyle>
           <a:p>
             <a:fld id="{85FABCBB-C0B5-684D-80B0-B81DEB864A91}" type="datetime1">
-              <a:t>2022/01/19</a:t>
+              <a:t>2022/01/20</a:t>
             </a:fld>
             <a:endParaRPr lang="en-JP"/>
           </a:p>
@@ -6241,6 +6240,61 @@
       </p:sp>
       <p:sp>
         <p:nvSpPr>
+          <p:cNvPr id="3" name="Content Placeholder 2">
+            <a:extLst>
+              <a:ext uri="{FF2B5EF4-FFF2-40B4-BE49-F238E27FC236}">
+                <a16:creationId xmlns:a16="http://schemas.microsoft.com/office/drawing/2014/main" id="{23A5162E-D12D-3C4B-A00B-1A62B424F390}"/>
+              </a:ext>
+            </a:extLst>
+          </p:cNvPr>
+          <p:cNvSpPr>
+            <a:spLocks noGrp="1"/>
+          </p:cNvSpPr>
+          <p:nvPr>
+            <p:ph idx="1"/>
+          </p:nvPr>
+        </p:nvSpPr>
+        <p:spPr/>
+        <p:txBody>
+          <a:bodyPr/>
+          <a:lstStyle/>
+          <a:p>
+            <a:pPr marL="0" indent="0">
+              <a:lnSpc>
+                <a:spcPct val="100000"/>
+              </a:lnSpc>
+              <a:buNone/>
+            </a:pPr>
+            <a:r>
+              <a:rPr lang="en-JP"/>
+              <a:t>3種類のブッキングと，8-12デッキに関するシミュレーションを行いました．</a:t>
+            </a:r>
+          </a:p>
+          <a:p>
+            <a:pPr marL="0" indent="0">
+              <a:lnSpc>
+                <a:spcPct val="100000"/>
+              </a:lnSpc>
+              <a:buNone/>
+            </a:pPr>
+            <a:endParaRPr lang="en-JP"/>
+          </a:p>
+          <a:p>
+            <a:pPr marL="0" indent="0">
+              <a:lnSpc>
+                <a:spcPct val="100000"/>
+              </a:lnSpc>
+              <a:buNone/>
+            </a:pPr>
+            <a:r>
+              <a:rPr lang="en-JP"/>
+              <a:t>別ファイル「出力図まとめ」にまとめましたのでご覧ください．</a:t>
+            </a:r>
+          </a:p>
+        </p:txBody>
+      </p:sp>
+      <p:sp>
+        <p:nvSpPr>
           <p:cNvPr id="4" name="Slide Number Placeholder 3">
             <a:extLst>
               <a:ext uri="{FF2B5EF4-FFF2-40B4-BE49-F238E27FC236}">
@@ -6271,114 +6325,6 @@
     <p:extLst>
       <p:ext uri="{BB962C8B-B14F-4D97-AF65-F5344CB8AC3E}">
         <p14:creationId xmlns:p14="http://schemas.microsoft.com/office/powerpoint/2010/main" val="1028613960"/>
-      </p:ext>
-    </p:extLst>
-  </p:cSld>
-  <p:clrMapOvr>
-    <a:masterClrMapping/>
-  </p:clrMapOvr>
-</p:sld>
-</file>
-
-<file path=ppt/slides/slide11.xml><?xml version="1.0" encoding="utf-8"?>
-<p:sld xmlns:a="http://schemas.openxmlformats.org/drawingml/2006/main" xmlns:r="http://schemas.openxmlformats.org/officeDocument/2006/relationships" xmlns:p="http://schemas.openxmlformats.org/presentationml/2006/main">
-  <p:cSld>
-    <p:spTree>
-      <p:nvGrpSpPr>
-        <p:cNvPr id="1" name=""/>
-        <p:cNvGrpSpPr/>
-        <p:nvPr/>
-      </p:nvGrpSpPr>
-      <p:grpSpPr>
-        <a:xfrm>
-          <a:off x="0" y="0"/>
-          <a:ext cx="0" cy="0"/>
-          <a:chOff x="0" y="0"/>
-          <a:chExt cx="0" cy="0"/>
-        </a:xfrm>
-      </p:grpSpPr>
-      <p:sp>
-        <p:nvSpPr>
-          <p:cNvPr id="2" name="Title 1">
-            <a:extLst>
-              <a:ext uri="{FF2B5EF4-FFF2-40B4-BE49-F238E27FC236}">
-                <a16:creationId xmlns:a16="http://schemas.microsoft.com/office/drawing/2014/main" id="{4E1E2FAF-36E3-0A47-8135-973A9C0BD81D}"/>
-              </a:ext>
-            </a:extLst>
-          </p:cNvPr>
-          <p:cNvSpPr>
-            <a:spLocks noGrp="1"/>
-          </p:cNvSpPr>
-          <p:nvPr>
-            <p:ph type="title"/>
-          </p:nvPr>
-        </p:nvSpPr>
-        <p:spPr/>
-        <p:txBody>
-          <a:bodyPr/>
-          <a:lstStyle/>
-          <a:p>
-            <a:endParaRPr lang="en-JP"/>
-          </a:p>
-        </p:txBody>
-      </p:sp>
-      <p:sp>
-        <p:nvSpPr>
-          <p:cNvPr id="3" name="Content Placeholder 2">
-            <a:extLst>
-              <a:ext uri="{FF2B5EF4-FFF2-40B4-BE49-F238E27FC236}">
-                <a16:creationId xmlns:a16="http://schemas.microsoft.com/office/drawing/2014/main" id="{B913FA4E-65BD-EF40-BAA2-6476B5CB0F07}"/>
-              </a:ext>
-            </a:extLst>
-          </p:cNvPr>
-          <p:cNvSpPr>
-            <a:spLocks noGrp="1"/>
-          </p:cNvSpPr>
-          <p:nvPr>
-            <p:ph idx="1"/>
-          </p:nvPr>
-        </p:nvSpPr>
-        <p:spPr/>
-        <p:txBody>
-          <a:bodyPr/>
-          <a:lstStyle/>
-          <a:p>
-            <a:endParaRPr lang="en-JP"/>
-          </a:p>
-        </p:txBody>
-      </p:sp>
-      <p:sp>
-        <p:nvSpPr>
-          <p:cNvPr id="4" name="Slide Number Placeholder 3">
-            <a:extLst>
-              <a:ext uri="{FF2B5EF4-FFF2-40B4-BE49-F238E27FC236}">
-                <a16:creationId xmlns:a16="http://schemas.microsoft.com/office/drawing/2014/main" id="{1F22D211-64D9-C248-8FDE-A6198FC2EFE3}"/>
-              </a:ext>
-            </a:extLst>
-          </p:cNvPr>
-          <p:cNvSpPr>
-            <a:spLocks noGrp="1"/>
-          </p:cNvSpPr>
-          <p:nvPr>
-            <p:ph type="sldNum" sz="quarter" idx="12"/>
-          </p:nvPr>
-        </p:nvSpPr>
-        <p:spPr/>
-        <p:txBody>
-          <a:bodyPr/>
-          <a:lstStyle/>
-          <a:p>
-            <a:fld id="{A15909B6-B37A-2F40-8E50-BD3B90D17A7A}" type="slidenum">
-              <a:t>11</a:t>
-            </a:fld>
-            <a:endParaRPr lang="en-JP"/>
-          </a:p>
-        </p:txBody>
-      </p:sp>
-    </p:spTree>
-    <p:extLst>
-      <p:ext uri="{BB962C8B-B14F-4D97-AF65-F5344CB8AC3E}">
-        <p14:creationId xmlns:p14="http://schemas.microsoft.com/office/powerpoint/2010/main" val="3705893699"/>
       </p:ext>
     </p:extLst>
   </p:cSld>

--- a/0121結果レビュー.pptx
+++ b/0121結果レビュー.pptx
@@ -2926,7 +2926,7 @@
           </a:lstStyle>
           <a:p>
             <a:fld id="{72BF07A8-7391-8B43-8C84-2499A9AA8ED9}" type="datetimeFigureOut">
-              <a:t>2022/01/20</a:t>
+              <a:t>2022/01/21</a:t>
             </a:fld>
             <a:endParaRPr lang="en-JP"/>
           </a:p>
@@ -3404,7 +3404,7 @@
           <a:lstStyle/>
           <a:p>
             <a:fld id="{AAA0B583-82BE-8C47-A302-7765DDE449F7}" type="datetime1">
-              <a:t>2022/01/20</a:t>
+              <a:t>2022/01/21</a:t>
             </a:fld>
             <a:endParaRPr lang="en-JP"/>
           </a:p>
@@ -3570,7 +3570,7 @@
           <a:lstStyle/>
           <a:p>
             <a:fld id="{6589C49D-9FC0-3C4E-BAC6-B72DBEC84219}" type="datetime1">
-              <a:t>2022/01/20</a:t>
+              <a:t>2022/01/21</a:t>
             </a:fld>
             <a:endParaRPr lang="en-JP"/>
           </a:p>
@@ -3746,7 +3746,7 @@
           <a:lstStyle/>
           <a:p>
             <a:fld id="{2F5F35AB-255E-914B-A0D7-BEAB98AEE7F0}" type="datetime1">
-              <a:t>2022/01/20</a:t>
+              <a:t>2022/01/21</a:t>
             </a:fld>
             <a:endParaRPr lang="en-JP"/>
           </a:p>
@@ -3912,7 +3912,7 @@
           <a:lstStyle/>
           <a:p>
             <a:fld id="{2BFC5C50-A125-3744-9EE3-197DAE40121F}" type="datetime1">
-              <a:t>2022/01/20</a:t>
+              <a:t>2022/01/21</a:t>
             </a:fld>
             <a:endParaRPr lang="en-JP"/>
           </a:p>
@@ -4155,7 +4155,7 @@
           <a:lstStyle/>
           <a:p>
             <a:fld id="{364FA97B-54A5-1348-994B-DEFCE438AD33}" type="datetime1">
-              <a:t>2022/01/20</a:t>
+              <a:t>2022/01/21</a:t>
             </a:fld>
             <a:endParaRPr lang="en-JP"/>
           </a:p>
@@ -4382,7 +4382,7 @@
           <a:lstStyle/>
           <a:p>
             <a:fld id="{05D6CE52-B223-624D-BBC8-D07D0B89A40F}" type="datetime1">
-              <a:t>2022/01/20</a:t>
+              <a:t>2022/01/21</a:t>
             </a:fld>
             <a:endParaRPr lang="en-JP"/>
           </a:p>
@@ -4744,7 +4744,7 @@
           <a:lstStyle/>
           <a:p>
             <a:fld id="{55BB6648-2FEC-CF46-86BB-552D8FDF04B2}" type="datetime1">
-              <a:t>2022/01/20</a:t>
+              <a:t>2022/01/21</a:t>
             </a:fld>
             <a:endParaRPr lang="en-JP"/>
           </a:p>
@@ -4859,7 +4859,7 @@
           <a:lstStyle/>
           <a:p>
             <a:fld id="{EDEB0A3B-AF46-0F46-B8D6-8977AB47B0E9}" type="datetime1">
-              <a:t>2022/01/20</a:t>
+              <a:t>2022/01/21</a:t>
             </a:fld>
             <a:endParaRPr lang="en-JP"/>
           </a:p>
@@ -4952,7 +4952,7 @@
           <a:lstStyle/>
           <a:p>
             <a:fld id="{8B9A0D36-7F71-9D4E-984B-A30FC616AF51}" type="datetime1">
-              <a:t>2022/01/20</a:t>
+              <a:t>2022/01/21</a:t>
             </a:fld>
             <a:endParaRPr lang="en-JP"/>
           </a:p>
@@ -5225,7 +5225,7 @@
           <a:lstStyle/>
           <a:p>
             <a:fld id="{9369E420-ECE9-BD4B-B403-A78156A4AB54}" type="datetime1">
-              <a:t>2022/01/20</a:t>
+              <a:t>2022/01/21</a:t>
             </a:fld>
             <a:endParaRPr lang="en-JP"/>
           </a:p>
@@ -5478,7 +5478,7 @@
           <a:lstStyle/>
           <a:p>
             <a:fld id="{37EF7CDE-28FC-084D-9FB4-3B81011EBD84}" type="datetime1">
-              <a:t>2022/01/20</a:t>
+              <a:t>2022/01/21</a:t>
             </a:fld>
             <a:endParaRPr lang="en-JP"/>
           </a:p>
@@ -5687,7 +5687,7 @@
           </a:lstStyle>
           <a:p>
             <a:fld id="{85FABCBB-C0B5-684D-80B0-B81DEB864A91}" type="datetime1">
-              <a:t>2022/01/20</a:t>
+              <a:t>2022/01/21</a:t>
             </a:fld>
             <a:endParaRPr lang="en-JP"/>
           </a:p>
@@ -6267,28 +6267,7 @@
             </a:pPr>
             <a:r>
               <a:rPr lang="en-JP"/>
-              <a:t>3種類のブッキングと，8-12デッキに関するシミュレーションを行いました．</a:t>
-            </a:r>
-          </a:p>
-          <a:p>
-            <a:pPr marL="0" indent="0">
-              <a:lnSpc>
-                <a:spcPct val="100000"/>
-              </a:lnSpc>
-              <a:buNone/>
-            </a:pPr>
-            <a:endParaRPr lang="en-JP"/>
-          </a:p>
-          <a:p>
-            <a:pPr marL="0" indent="0">
-              <a:lnSpc>
-                <a:spcPct val="100000"/>
-              </a:lnSpc>
-              <a:buNone/>
-            </a:pPr>
-            <a:r>
-              <a:rPr lang="en-JP"/>
-              <a:t>別ファイル「出力図まとめ」にまとめましたのでご覧ください．</a:t>
+              <a:t>別ファイル「出力図まとめ.pdf」にまとめましたのでご覧ください．</a:t>
             </a:r>
           </a:p>
         </p:txBody>
@@ -6426,16 +6405,6 @@
             </a:pPr>
             <a:r>
               <a:rPr lang="en-JP"/>
-              <a:t>プログラム全体について</a:t>
-            </a:r>
-          </a:p>
-          <a:p>
-            <a:pPr marL="971550" lvl="1" indent="-514350">
-              <a:buFont typeface="+mj-lt"/>
-              <a:buAutoNum type="arabicPeriod"/>
-            </a:pPr>
-            <a:r>
-              <a:rPr lang="en-JP"/>
               <a:t>第一段階の詳細</a:t>
             </a:r>
           </a:p>
@@ -6559,6 +6528,89 @@
       </p:sp>
       <p:sp>
         <p:nvSpPr>
+          <p:cNvPr id="3" name="Content Placeholder 2">
+            <a:extLst>
+              <a:ext uri="{FF2B5EF4-FFF2-40B4-BE49-F238E27FC236}">
+                <a16:creationId xmlns:a16="http://schemas.microsoft.com/office/drawing/2014/main" id="{E01FB632-A8E1-D142-AB32-3B4B3790BB0B}"/>
+              </a:ext>
+            </a:extLst>
+          </p:cNvPr>
+          <p:cNvSpPr>
+            <a:spLocks noGrp="1"/>
+          </p:cNvSpPr>
+          <p:nvPr>
+            <p:ph idx="1"/>
+          </p:nvPr>
+        </p:nvSpPr>
+        <p:spPr>
+          <a:xfrm>
+            <a:off x="838200" y="1825625"/>
+            <a:ext cx="7675269" cy="4351338"/>
+          </a:xfrm>
+        </p:spPr>
+        <p:txBody>
+          <a:bodyPr>
+            <a:normAutofit/>
+          </a:bodyPr>
+          <a:lstStyle/>
+          <a:p>
+            <a:pPr marL="0" indent="0">
+              <a:lnSpc>
+                <a:spcPct val="100000"/>
+              </a:lnSpc>
+              <a:buNone/>
+            </a:pPr>
+            <a:r>
+              <a:rPr lang="en-JP" sz="2400"/>
+              <a:t>事前に頂いていた3つのプランをもとに実装した．</a:t>
+            </a:r>
+          </a:p>
+          <a:p>
+            <a:pPr marL="0" indent="0">
+              <a:lnSpc>
+                <a:spcPct val="100000"/>
+              </a:lnSpc>
+              <a:buNone/>
+            </a:pPr>
+            <a:endParaRPr lang="en-JP" sz="2400"/>
+          </a:p>
+          <a:p>
+            <a:pPr marL="0" indent="0">
+              <a:lnSpc>
+                <a:spcPct val="100000"/>
+              </a:lnSpc>
+              <a:buNone/>
+            </a:pPr>
+            <a:endParaRPr lang="en-JP" sz="2400"/>
+          </a:p>
+          <a:p>
+            <a:pPr marL="0" indent="0">
+              <a:lnSpc>
+                <a:spcPct val="100000"/>
+              </a:lnSpc>
+              <a:buNone/>
+            </a:pPr>
+            <a:r>
+              <a:rPr lang="en-JP" sz="2400"/>
+              <a:t>車の大きさ・積み揚げ港・数量・ホールド指定は実際のデータを用い，</a:t>
+            </a:r>
+          </a:p>
+          <a:p>
+            <a:pPr marL="0" indent="0">
+              <a:lnSpc>
+                <a:spcPct val="100000"/>
+              </a:lnSpc>
+              <a:buNone/>
+            </a:pPr>
+            <a:r>
+              <a:rPr lang="en-JP" sz="2400"/>
+              <a:t>船の大きさや，障害物は手打ち入力で行なった．</a:t>
+            </a:r>
+          </a:p>
+        </p:txBody>
+      </p:sp>
+      <p:sp>
+        <p:nvSpPr>
           <p:cNvPr id="4" name="Slide Number Placeholder 3">
             <a:extLst>
               <a:ext uri="{FF2B5EF4-FFF2-40B4-BE49-F238E27FC236}">
@@ -6582,124 +6634,6 @@
               <a:t>3</a:t>
             </a:fld>
             <a:endParaRPr lang="en-JP"/>
-          </a:p>
-        </p:txBody>
-      </p:sp>
-      <p:sp>
-        <p:nvSpPr>
-          <p:cNvPr id="5" name="TextBox 4">
-            <a:extLst>
-              <a:ext uri="{FF2B5EF4-FFF2-40B4-BE49-F238E27FC236}">
-                <a16:creationId xmlns:a16="http://schemas.microsoft.com/office/drawing/2014/main" id="{1771689A-2709-1440-8E43-4A265CAF9F3C}"/>
-              </a:ext>
-            </a:extLst>
-          </p:cNvPr>
-          <p:cNvSpPr txBox="1"/>
-          <p:nvPr/>
-        </p:nvSpPr>
-        <p:spPr>
-          <a:xfrm>
-            <a:off x="633412" y="5831026"/>
-            <a:ext cx="10720388" cy="707886"/>
-          </a:xfrm>
-          <a:prstGeom prst="rect">
-            <a:avLst/>
-          </a:prstGeom>
-          <a:noFill/>
-        </p:spPr>
-        <p:txBody>
-          <a:bodyPr wrap="square" rtlCol="0">
-            <a:spAutoFit/>
-          </a:bodyPr>
-          <a:lstStyle/>
-          <a:p>
-            <a:r>
-              <a:rPr lang="en-JP" sz="2000"/>
-              <a:t>[上] 実際のプラン</a:t>
-            </a:r>
-          </a:p>
-          <a:p>
-            <a:r>
-              <a:rPr lang="en-JP" sz="2000"/>
-              <a:t>[下] プログラムの出力</a:t>
-            </a:r>
-            <a:r>
-              <a:rPr lang="ja-JP" altLang="en-US" sz="2000"/>
-              <a:t>　</a:t>
-            </a:r>
-            <a:r>
-              <a:rPr lang="en-JP" sz="2000"/>
-              <a:t>（船の大きさ，障害物の位置は目測です）</a:t>
-            </a:r>
-          </a:p>
-        </p:txBody>
-      </p:sp>
-      <p:pic>
-        <p:nvPicPr>
-          <p:cNvPr id="9" name="Picture 8">
-            <a:extLst>
-              <a:ext uri="{FF2B5EF4-FFF2-40B4-BE49-F238E27FC236}">
-                <a16:creationId xmlns:a16="http://schemas.microsoft.com/office/drawing/2014/main" id="{00000000-0008-0000-0400-00001B000000}"/>
-              </a:ext>
-            </a:extLst>
-          </p:cNvPr>
-          <p:cNvPicPr>
-            <a:picLocks/>
-          </p:cNvPicPr>
-          <p:nvPr/>
-        </p:nvPicPr>
-        <p:blipFill>
-          <a:blip r:embed="rId2"/>
-          <a:stretch>
-            <a:fillRect/>
-          </a:stretch>
-        </p:blipFill>
-        <p:spPr>
-          <a:xfrm>
-            <a:off x="9820201" y="2029620"/>
-            <a:ext cx="1059873" cy="3462473"/>
-          </a:xfrm>
-          <a:prstGeom prst="rect">
-            <a:avLst/>
-          </a:prstGeom>
-          <a:noFill/>
-          <a:ln w="0">
-            <a:noFill/>
-          </a:ln>
-        </p:spPr>
-      </p:pic>
-      <p:sp>
-        <p:nvSpPr>
-          <p:cNvPr id="15" name="TextBox 14">
-            <a:extLst>
-              <a:ext uri="{FF2B5EF4-FFF2-40B4-BE49-F238E27FC236}">
-                <a16:creationId xmlns:a16="http://schemas.microsoft.com/office/drawing/2014/main" id="{F3B591D6-A582-CF41-83B1-15ACA1AD6413}"/>
-              </a:ext>
-            </a:extLst>
-          </p:cNvPr>
-          <p:cNvSpPr txBox="1"/>
-          <p:nvPr/>
-        </p:nvSpPr>
-        <p:spPr>
-          <a:xfrm>
-            <a:off x="9631039" y="1611253"/>
-            <a:ext cx="1107996" cy="369332"/>
-          </a:xfrm>
-          <a:prstGeom prst="rect">
-            <a:avLst/>
-          </a:prstGeom>
-          <a:noFill/>
-        </p:spPr>
-        <p:txBody>
-          <a:bodyPr wrap="none" rtlCol="0">
-            <a:spAutoFit/>
-          </a:bodyPr>
-          <a:lstStyle/>
-          <a:p>
-            <a:r>
-              <a:rPr lang="en-JP"/>
-              <a:t>揚げ地順</a:t>
-            </a:r>
           </a:p>
         </p:txBody>
       </p:sp>
@@ -6718,15 +6652,15 @@
           <p:nvPr/>
         </p:nvPicPr>
         <p:blipFill>
-          <a:blip r:embed="rId3"/>
+          <a:blip r:embed="rId2"/>
           <a:stretch>
             <a:fillRect/>
           </a:stretch>
         </p:blipFill>
         <p:spPr>
-          <a:xfrm rot="16200000">
-            <a:off x="4074739" y="336123"/>
-            <a:ext cx="1672265" cy="8515691"/>
+          <a:xfrm>
+            <a:off x="8727071" y="1303662"/>
+            <a:ext cx="934802" cy="4760300"/>
           </a:xfrm>
           <a:prstGeom prst="rect">
             <a:avLst/>
@@ -6748,21 +6682,67 @@
           <p:nvPr/>
         </p:nvPicPr>
         <p:blipFill>
-          <a:blip r:embed="rId4"/>
+          <a:blip r:embed="rId3"/>
           <a:stretch>
             <a:fillRect/>
           </a:stretch>
         </p:blipFill>
         <p:spPr>
-          <a:xfrm>
-            <a:off x="757196" y="1690688"/>
-            <a:ext cx="8873843" cy="1783511"/>
+          <a:xfrm rot="5400000">
+            <a:off x="7985936" y="3289142"/>
+            <a:ext cx="4969817" cy="998859"/>
           </a:xfrm>
           <a:prstGeom prst="rect">
             <a:avLst/>
           </a:prstGeom>
         </p:spPr>
       </p:pic>
+      <p:sp>
+        <p:nvSpPr>
+          <p:cNvPr id="5" name="TextBox 4">
+            <a:extLst>
+              <a:ext uri="{FF2B5EF4-FFF2-40B4-BE49-F238E27FC236}">
+                <a16:creationId xmlns:a16="http://schemas.microsoft.com/office/drawing/2014/main" id="{1771689A-2709-1440-8E43-4A265CAF9F3C}"/>
+              </a:ext>
+            </a:extLst>
+          </p:cNvPr>
+          <p:cNvSpPr txBox="1"/>
+          <p:nvPr/>
+        </p:nvSpPr>
+        <p:spPr>
+          <a:xfrm>
+            <a:off x="8727071" y="6136700"/>
+            <a:ext cx="2445791" cy="584775"/>
+          </a:xfrm>
+          <a:prstGeom prst="rect">
+            <a:avLst/>
+          </a:prstGeom>
+          <a:noFill/>
+        </p:spPr>
+        <p:txBody>
+          <a:bodyPr wrap="square" rtlCol="0">
+            <a:spAutoFit/>
+          </a:bodyPr>
+          <a:lstStyle/>
+          <a:p>
+            <a:r>
+              <a:rPr lang="en-JP" sz="1600"/>
+              <a:t>[右] 実際のプラン</a:t>
+            </a:r>
+          </a:p>
+          <a:p>
+            <a:r>
+              <a:rPr lang="en-JP" sz="1600"/>
+              <a:t>[左] プログラムの出力</a:t>
+            </a:r>
+            <a:r>
+              <a:rPr lang="ja-JP" altLang="en-US" sz="1600"/>
+              <a:t>　</a:t>
+            </a:r>
+            <a:endParaRPr lang="en-JP" sz="1600"/>
+          </a:p>
+        </p:txBody>
+      </p:sp>
     </p:spTree>
     <p:extLst>
       <p:ext uri="{BB962C8B-B14F-4D97-AF65-F5344CB8AC3E}">
@@ -6818,7 +6798,7 @@
           <a:p>
             <a:r>
               <a:rPr lang="en-JP" sz="4000"/>
-              <a:t>2-1. プログラム全体について</a:t>
+              <a:t>2. プログラム全体について</a:t>
             </a:r>
           </a:p>
         </p:txBody>
@@ -9684,7 +9664,7 @@
           <a:p>
             <a:r>
               <a:rPr lang="en-JP"/>
-              <a:t>2-3. 問題点（解決可能性）</a:t>
+              <a:t>2-4. 問題点（解決可能性）</a:t>
             </a:r>
           </a:p>
         </p:txBody>
@@ -9708,7 +9688,7 @@
         <p:spPr>
           <a:xfrm>
             <a:off x="838200" y="1825625"/>
-            <a:ext cx="5176101" cy="4351338"/>
+            <a:ext cx="5176101" cy="4089038"/>
           </a:xfrm>
           <a:solidFill>
             <a:schemeClr val="accent5">
@@ -9736,8 +9716,17 @@
             </a:pPr>
             <a:r>
               <a:rPr lang="en-JP" sz="2400" b="1"/>
-              <a:t>第一段階</a:t>
-            </a:r>
+              <a:t>第一段階（グループパッキング）</a:t>
+            </a:r>
+          </a:p>
+          <a:p>
+            <a:pPr marL="0" indent="0">
+              <a:lnSpc>
+                <a:spcPct val="100000"/>
+              </a:lnSpc>
+              <a:buNone/>
+            </a:pPr>
+            <a:endParaRPr lang="en-JP" sz="2400" b="1"/>
           </a:p>
           <a:p>
             <a:pPr>
@@ -9747,7 +9736,7 @@
             </a:pPr>
             <a:r>
               <a:rPr lang="en-JP" sz="2400"/>
-              <a:t>左右のバランス制約（× - △）</a:t>
+              <a:t>左右のバランス制約（△）</a:t>
             </a:r>
           </a:p>
           <a:p>
@@ -9758,18 +9747,7 @@
             </a:pPr>
             <a:r>
               <a:rPr lang="en-JP" sz="2400"/>
-              <a:t>ランプまで到達できるか（×）</a:t>
-            </a:r>
-          </a:p>
-          <a:p>
-            <a:pPr>
-              <a:lnSpc>
-                <a:spcPct val="100000"/>
-              </a:lnSpc>
-            </a:pPr>
-            <a:r>
-              <a:rPr lang="en-JP" sz="2400"/>
-              <a:t>各グループのデッドスペース（○）</a:t>
+              <a:t>実際ランプまで到達できるか（×）</a:t>
             </a:r>
           </a:p>
           <a:p>
@@ -9852,7 +9830,7 @@
         <p:spPr>
           <a:xfrm>
             <a:off x="6262934" y="1847850"/>
-            <a:ext cx="5251122" cy="4351338"/>
+            <a:ext cx="5251122" cy="4089038"/>
           </a:xfrm>
           <a:prstGeom prst="rect">
             <a:avLst/>
@@ -10047,8 +10025,18 @@
             </a:pPr>
             <a:r>
               <a:rPr lang="en-JP" sz="2400" b="1"/>
-              <a:t>第二段階</a:t>
-            </a:r>
+              <a:t>第二段階（個別パッキング）</a:t>
+            </a:r>
+          </a:p>
+          <a:p>
+            <a:pPr marL="0" indent="0">
+              <a:lnSpc>
+                <a:spcPct val="100000"/>
+              </a:lnSpc>
+              <a:buFont typeface="Arial" panose="020B0604020202020204" pitchFamily="34" charset="0"/>
+              <a:buNone/>
+            </a:pPr>
+            <a:endParaRPr lang="en-JP" sz="2400" b="1"/>
           </a:p>
           <a:p>
             <a:pPr>
@@ -10059,17 +10047,6 @@
             <a:r>
               <a:rPr lang="en-JP" sz="2400"/>
               <a:t>ハンドルに関する情報全般（◎）</a:t>
-            </a:r>
-          </a:p>
-          <a:p>
-            <a:pPr>
-              <a:lnSpc>
-                <a:spcPct val="100000"/>
-              </a:lnSpc>
-            </a:pPr>
-            <a:r>
-              <a:rPr lang="en-JP" sz="2400"/>
-              <a:t>向き（◎）</a:t>
             </a:r>
           </a:p>
           <a:p>

--- a/0121結果レビュー.pptx
+++ b/0121結果レビュー.pptx
@@ -8401,7 +8401,7 @@
         </p:nvSpPr>
         <p:spPr>
           <a:xfrm>
-            <a:off x="6839433" y="2873223"/>
+            <a:off x="6837854" y="2873223"/>
             <a:ext cx="2089953" cy="3483127"/>
           </a:xfrm>
           <a:prstGeom prst="rect">
@@ -8670,7 +8670,7 @@
         </p:nvSpPr>
         <p:spPr>
           <a:xfrm>
-            <a:off x="8396950" y="4402880"/>
+            <a:off x="8435971" y="4402880"/>
             <a:ext cx="462988" cy="740780"/>
           </a:xfrm>
           <a:prstGeom prst="rect">
@@ -9569,12 +9569,12 @@
         </p:nvSpPr>
         <p:spPr>
           <a:xfrm rot="10800000">
-            <a:off x="8160476" y="3588255"/>
-            <a:ext cx="727172" cy="1583243"/>
+            <a:off x="8222365" y="3991194"/>
+            <a:ext cx="727172" cy="1152465"/>
           </a:xfrm>
           <a:prstGeom prst="corner">
             <a:avLst>
-              <a:gd name="adj1" fmla="val 113528"/>
+              <a:gd name="adj1" fmla="val 80866"/>
               <a:gd name="adj2" fmla="val 70513"/>
             </a:avLst>
           </a:prstGeom>
